--- a/Readme/CairnConnect - Weekly Status Report_03062019.pptx
+++ b/Readme/CairnConnect - Weekly Status Report_03062019.pptx
@@ -4049,14 +4049,14 @@
           <p:nvPr>
             <p:extLst>
               <p:ext uri="{D42A27DB-BD31-4B8C-83A1-F6EECF244321}">
-                <p14:modId xmlns:p14="http://schemas.microsoft.com/office/powerpoint/2010/main" val="2504396912"/>
+                <p14:modId xmlns:p14="http://schemas.microsoft.com/office/powerpoint/2010/main" val="2206524607"/>
               </p:ext>
             </p:extLst>
           </p:nvPr>
         </p:nvGraphicFramePr>
         <p:xfrm>
           <a:off x="338183" y="2838450"/>
-          <a:ext cx="2932662" cy="2492692"/>
+          <a:ext cx="3123892" cy="2492692"/>
         </p:xfrm>
         <a:graphic>
           <a:graphicData uri="http://schemas.openxmlformats.org/drawingml/2006/table">
@@ -4086,7 +4086,7 @@
                     </a:ext>
                   </a:extLst>
                 </a:gridCol>
-                <a:gridCol w="393796">
+                <a:gridCol w="585026">
                   <a:extLst>
                     <a:ext uri="{9D8B030D-6E8A-4147-A177-3AD203B41FA5}">
                       <a16:colId xmlns:a16="http://schemas.microsoft.com/office/drawing/2014/main" val="20004"/>
@@ -5867,7 +5867,7 @@
                           <a:ea typeface="ヒラギノ角ゴ Pro W3"/>
                           <a:cs typeface="Arial" charset="0"/>
                         </a:rPr>
-                        <a:t>4/14</a:t>
+                        <a:t>4/17</a:t>
                       </a:r>
                     </a:p>
                   </a:txBody>
@@ -6286,7 +6286,7 @@
                           <a:ea typeface="ヒラギノ角ゴ Pro W3"/>
                           <a:cs typeface="Arial" charset="0"/>
                         </a:rPr>
-                        <a:t>4/21</a:t>
+                        <a:t>4/17</a:t>
                       </a:r>
                     </a:p>
                   </a:txBody>
@@ -6704,7 +6704,7 @@
                           <a:ea typeface="ヒラギノ角ゴ Pro W3"/>
                           <a:cs typeface="Arial" charset="0"/>
                         </a:rPr>
-                        <a:t>4/29</a:t>
+                        <a:t>4/17</a:t>
                       </a:r>
                     </a:p>
                   </a:txBody>
@@ -7122,7 +7122,7 @@
                           <a:ea typeface="ヒラギノ角ゴ Pro W3"/>
                           <a:cs typeface="Arial" charset="0"/>
                         </a:rPr>
-                        <a:t>5/1</a:t>
+                        <a:t>4/17</a:t>
                       </a:r>
                     </a:p>
                   </a:txBody>
@@ -8376,7 +8376,7 @@
                           <a:ea typeface="ヒラギノ角ゴ Pro W3"/>
                           <a:cs typeface="Arial" charset="0"/>
                         </a:rPr>
-                        <a:t>5/7</a:t>
+                        <a:t>5/8</a:t>
                       </a:r>
                     </a:p>
                   </a:txBody>
